--- a/DBMS Presentation.pptx
+++ b/DBMS Presentation.pptx
@@ -22,6 +22,8 @@
     <p:sldId id="272" r:id="rId16"/>
     <p:sldId id="273" r:id="rId17"/>
     <p:sldId id="274" r:id="rId18"/>
+    <p:sldId id="275" r:id="rId19"/>
+    <p:sldId id="276" r:id="rId20"/>
   </p:sldIdLst>
   <p:sldSz cx="9144000" cy="6858000" type="screen4x3"/>
   <p:notesSz cx="6858000" cy="9144000"/>
@@ -4008,6 +4010,233 @@
             <a:br>
               <a:rPr lang="en-US" dirty="0" smtClean="0"/>
             </a:br>
+            <a:endParaRPr lang="en-US" dirty="0"/>
+          </a:p>
+        </p:txBody>
+      </p:sp>
+    </p:spTree>
+  </p:cSld>
+  <p:clrMapOvr>
+    <a:masterClrMapping/>
+  </p:clrMapOvr>
+</p:sld>
+</file>
+
+<file path=ppt/slides/slide18.xml><?xml version="1.0" encoding="utf-8"?>
+<p:sld xmlns:a="http://schemas.openxmlformats.org/drawingml/2006/main" xmlns:r="http://schemas.openxmlformats.org/officeDocument/2006/relationships" xmlns:p="http://schemas.openxmlformats.org/presentationml/2006/main">
+  <p:cSld>
+    <p:spTree>
+      <p:nvGrpSpPr>
+        <p:cNvPr id="1" name=""/>
+        <p:cNvGrpSpPr/>
+        <p:nvPr/>
+      </p:nvGrpSpPr>
+      <p:grpSpPr>
+        <a:xfrm>
+          <a:off x="0" y="0"/>
+          <a:ext cx="0" cy="0"/>
+          <a:chOff x="0" y="0"/>
+          <a:chExt cx="0" cy="0"/>
+        </a:xfrm>
+      </p:grpSpPr>
+      <p:sp>
+        <p:nvSpPr>
+          <p:cNvPr id="2" name="Title 1"/>
+          <p:cNvSpPr>
+            <a:spLocks noGrp="1"/>
+          </p:cNvSpPr>
+          <p:nvPr>
+            <p:ph type="ctrTitle"/>
+          </p:nvPr>
+        </p:nvSpPr>
+        <p:spPr>
+          <a:xfrm>
+            <a:off x="609600" y="457200"/>
+            <a:ext cx="7772400" cy="1470025"/>
+          </a:xfrm>
+        </p:spPr>
+        <p:txBody>
+          <a:bodyPr/>
+          <a:lstStyle/>
+          <a:p>
+            <a:pPr algn="l"/>
+            <a:r>
+              <a:rPr lang="en-US" b="1" dirty="0" smtClean="0"/>
+              <a:t>Starvation and Deadlock</a:t>
+            </a:r>
+            <a:endParaRPr lang="en-US" b="1" dirty="0"/>
+          </a:p>
+        </p:txBody>
+      </p:sp>
+      <p:sp>
+        <p:nvSpPr>
+          <p:cNvPr id="3" name="Subtitle 2"/>
+          <p:cNvSpPr>
+            <a:spLocks noGrp="1"/>
+          </p:cNvSpPr>
+          <p:nvPr>
+            <p:ph type="subTitle" idx="1"/>
+          </p:nvPr>
+        </p:nvSpPr>
+        <p:spPr>
+          <a:xfrm>
+            <a:off x="685800" y="1981200"/>
+            <a:ext cx="6400800" cy="3581400"/>
+          </a:xfrm>
+        </p:spPr>
+        <p:txBody>
+          <a:bodyPr>
+            <a:normAutofit fontScale="55000" lnSpcReduction="20000"/>
+          </a:bodyPr>
+          <a:lstStyle/>
+          <a:p>
+            <a:pPr algn="l"/>
+            <a:r>
+              <a:rPr lang="en-US" b="1" dirty="0"/>
+              <a:t>Starvation</a:t>
+            </a:r>
+            <a:endParaRPr lang="en-US" dirty="0"/>
+          </a:p>
+          <a:p>
+            <a:pPr algn="l"/>
+            <a:r>
+              <a:rPr lang="en-US" dirty="0"/>
+              <a:t>Starvation is the situation when a transaction needs to wait for an indefinite period to acquire a lock.</a:t>
+            </a:r>
+          </a:p>
+          <a:p>
+            <a:pPr algn="l"/>
+            <a:r>
+              <a:rPr lang="en-US" dirty="0"/>
+              <a:t>Following are the reasons for Starvation:</a:t>
+            </a:r>
+          </a:p>
+          <a:p>
+            <a:pPr algn="l"/>
+            <a:r>
+              <a:rPr lang="en-US" dirty="0"/>
+              <a:t>When waiting scheme for locked items is not properly managed</a:t>
+            </a:r>
+          </a:p>
+          <a:p>
+            <a:pPr algn="l"/>
+            <a:r>
+              <a:rPr lang="en-US" dirty="0"/>
+              <a:t>In the case of resource leak</a:t>
+            </a:r>
+          </a:p>
+          <a:p>
+            <a:pPr algn="l"/>
+            <a:r>
+              <a:rPr lang="en-US" dirty="0"/>
+              <a:t>The same transaction is selected as a victim </a:t>
+            </a:r>
+            <a:r>
+              <a:rPr lang="en-US" dirty="0" smtClean="0"/>
+              <a:t>repeatedly.</a:t>
+            </a:r>
+          </a:p>
+          <a:p>
+            <a:pPr algn="l"/>
+            <a:endParaRPr lang="en-US" dirty="0"/>
+          </a:p>
+          <a:p>
+            <a:pPr algn="l"/>
+            <a:endParaRPr lang="en-US" dirty="0"/>
+          </a:p>
+          <a:p>
+            <a:pPr algn="l"/>
+            <a:r>
+              <a:rPr lang="en-US" b="1" dirty="0"/>
+              <a:t>Deadlock</a:t>
+            </a:r>
+            <a:endParaRPr lang="en-US" dirty="0"/>
+          </a:p>
+          <a:p>
+            <a:pPr algn="l"/>
+            <a:r>
+              <a:rPr lang="en-US" dirty="0"/>
+              <a:t>Deadlock refers to a specific situation where two or more processes are waiting for each other to release a resource or more than two processes are waiting for the resource in a circular chain.</a:t>
+            </a:r>
+          </a:p>
+        </p:txBody>
+      </p:sp>
+    </p:spTree>
+  </p:cSld>
+  <p:clrMapOvr>
+    <a:masterClrMapping/>
+  </p:clrMapOvr>
+</p:sld>
+</file>
+
+<file path=ppt/slides/slide19.xml><?xml version="1.0" encoding="utf-8"?>
+<p:sld xmlns:a="http://schemas.openxmlformats.org/drawingml/2006/main" xmlns:r="http://schemas.openxmlformats.org/officeDocument/2006/relationships" xmlns:p="http://schemas.openxmlformats.org/presentationml/2006/main">
+  <p:cSld>
+    <p:spTree>
+      <p:nvGrpSpPr>
+        <p:cNvPr id="1" name=""/>
+        <p:cNvGrpSpPr/>
+        <p:nvPr/>
+      </p:nvGrpSpPr>
+      <p:grpSpPr>
+        <a:xfrm>
+          <a:off x="0" y="0"/>
+          <a:ext cx="0" cy="0"/>
+          <a:chOff x="0" y="0"/>
+          <a:chExt cx="0" cy="0"/>
+        </a:xfrm>
+      </p:grpSpPr>
+      <p:sp>
+        <p:nvSpPr>
+          <p:cNvPr id="2" name="Title 1"/>
+          <p:cNvSpPr>
+            <a:spLocks noGrp="1"/>
+          </p:cNvSpPr>
+          <p:nvPr>
+            <p:ph type="ctrTitle"/>
+          </p:nvPr>
+        </p:nvSpPr>
+        <p:spPr>
+          <a:xfrm>
+            <a:off x="762000" y="2667000"/>
+            <a:ext cx="7772400" cy="1470025"/>
+          </a:xfrm>
+        </p:spPr>
+        <p:txBody>
+          <a:bodyPr/>
+          <a:lstStyle/>
+          <a:p>
+            <a:r>
+              <a:rPr lang="en-US" b="1" dirty="0" smtClean="0"/>
+              <a:t>The End</a:t>
+            </a:r>
+            <a:endParaRPr lang="en-US" b="1" dirty="0"/>
+          </a:p>
+        </p:txBody>
+      </p:sp>
+      <p:sp>
+        <p:nvSpPr>
+          <p:cNvPr id="3" name="Subtitle 2"/>
+          <p:cNvSpPr>
+            <a:spLocks noGrp="1"/>
+          </p:cNvSpPr>
+          <p:nvPr>
+            <p:ph type="subTitle" idx="1"/>
+          </p:nvPr>
+        </p:nvSpPr>
+        <p:spPr>
+          <a:xfrm>
+            <a:off x="685800" y="1981200"/>
+            <a:ext cx="6400800" cy="3581400"/>
+          </a:xfrm>
+        </p:spPr>
+        <p:txBody>
+          <a:bodyPr>
+            <a:normAutofit/>
+          </a:bodyPr>
+          <a:lstStyle/>
+          <a:p>
+            <a:pPr algn="l"/>
             <a:endParaRPr lang="en-US" dirty="0"/>
           </a:p>
         </p:txBody>

--- a/DBMS Presentation.pptx
+++ b/DBMS Presentation.pptx
@@ -15,15 +15,13 @@
     <p:sldId id="262" r:id="rId9"/>
     <p:sldId id="264" r:id="rId10"/>
     <p:sldId id="265" r:id="rId11"/>
-    <p:sldId id="266" r:id="rId12"/>
-    <p:sldId id="269" r:id="rId13"/>
-    <p:sldId id="270" r:id="rId14"/>
-    <p:sldId id="271" r:id="rId15"/>
-    <p:sldId id="272" r:id="rId16"/>
-    <p:sldId id="273" r:id="rId17"/>
-    <p:sldId id="274" r:id="rId18"/>
-    <p:sldId id="275" r:id="rId19"/>
-    <p:sldId id="276" r:id="rId20"/>
+    <p:sldId id="269" r:id="rId12"/>
+    <p:sldId id="270" r:id="rId13"/>
+    <p:sldId id="271" r:id="rId14"/>
+    <p:sldId id="272" r:id="rId15"/>
+    <p:sldId id="273" r:id="rId16"/>
+    <p:sldId id="274" r:id="rId17"/>
+    <p:sldId id="276" r:id="rId18"/>
   </p:sldIdLst>
   <p:sldSz cx="9144000" cy="6858000" type="screen4x3"/>
   <p:notesSz cx="6858000" cy="9144000"/>
@@ -122,6 +120,22 @@
       </a:defRPr>
     </a:lvl9pPr>
   </p:defaultTextStyle>
+  <p:extLst>
+    <p:ext uri="{EFAFB233-063F-42B5-8137-9DF3F51BA10A}">
+      <p15:sldGuideLst xmlns:p15="http://schemas.microsoft.com/office/powerpoint/2012/main">
+        <p15:guide id="1" orient="horz" pos="2160">
+          <p15:clr>
+            <a:srgbClr val="A4A3A4"/>
+          </p15:clr>
+        </p15:guide>
+        <p15:guide id="2" pos="2880">
+          <p15:clr>
+            <a:srgbClr val="A4A3A4"/>
+          </p15:clr>
+        </p15:guide>
+      </p15:sldGuideLst>
+    </p:ext>
+  </p:extLst>
 </p:presentation>
 </file>
 
@@ -163,10 +177,9 @@
           <a:lstStyle/>
           <a:p>
             <a:r>
-              <a:rPr lang="en-US" smtClean="0"/>
+              <a:rPr lang="en-US"/>
               <a:t>Click to edit Master title style</a:t>
             </a:r>
-            <a:endParaRPr lang="en-US"/>
           </a:p>
         </p:txBody>
       </p:sp>
@@ -282,10 +295,9 @@
           </a:lstStyle>
           <a:p>
             <a:r>
-              <a:rPr lang="en-US" smtClean="0"/>
+              <a:rPr lang="en-US"/>
               <a:t>Click to edit Master subtitle style</a:t>
             </a:r>
-            <a:endParaRPr lang="en-US"/>
           </a:p>
         </p:txBody>
       </p:sp>
@@ -306,7 +318,7 @@
           <a:p>
             <a:fld id="{CAAE836A-6F57-4E15-B788-C33EC3E995C1}" type="datetimeFigureOut">
               <a:rPr lang="en-US" smtClean="0"/>
-              <a:t>4/17/2021</a:t>
+              <a:t>4/18/2021</a:t>
             </a:fld>
             <a:endParaRPr lang="en-US"/>
           </a:p>
@@ -395,10 +407,9 @@
           <a:lstStyle/>
           <a:p>
             <a:r>
-              <a:rPr lang="en-US" smtClean="0"/>
+              <a:rPr lang="en-US"/>
               <a:t>Click to edit Master title style</a:t>
             </a:r>
-            <a:endParaRPr lang="en-US"/>
           </a:p>
         </p:txBody>
       </p:sp>
@@ -419,38 +430,37 @@
           <a:p>
             <a:pPr lvl="0"/>
             <a:r>
-              <a:rPr lang="en-US" smtClean="0"/>
+              <a:rPr lang="en-US"/>
               <a:t>Click to edit Master text styles</a:t>
             </a:r>
           </a:p>
           <a:p>
             <a:pPr lvl="1"/>
             <a:r>
-              <a:rPr lang="en-US" smtClean="0"/>
+              <a:rPr lang="en-US"/>
               <a:t>Second level</a:t>
             </a:r>
           </a:p>
           <a:p>
             <a:pPr lvl="2"/>
             <a:r>
-              <a:rPr lang="en-US" smtClean="0"/>
+              <a:rPr lang="en-US"/>
               <a:t>Third level</a:t>
             </a:r>
           </a:p>
           <a:p>
             <a:pPr lvl="3"/>
             <a:r>
-              <a:rPr lang="en-US" smtClean="0"/>
+              <a:rPr lang="en-US"/>
               <a:t>Fourth level</a:t>
             </a:r>
           </a:p>
           <a:p>
             <a:pPr lvl="4"/>
             <a:r>
-              <a:rPr lang="en-US" smtClean="0"/>
+              <a:rPr lang="en-US"/>
               <a:t>Fifth level</a:t>
             </a:r>
-            <a:endParaRPr lang="en-US"/>
           </a:p>
         </p:txBody>
       </p:sp>
@@ -471,7 +481,7 @@
           <a:p>
             <a:fld id="{CAAE836A-6F57-4E15-B788-C33EC3E995C1}" type="datetimeFigureOut">
               <a:rPr lang="en-US" smtClean="0"/>
-              <a:t>4/17/2021</a:t>
+              <a:t>4/18/2021</a:t>
             </a:fld>
             <a:endParaRPr lang="en-US"/>
           </a:p>
@@ -565,10 +575,9 @@
           <a:lstStyle/>
           <a:p>
             <a:r>
-              <a:rPr lang="en-US" smtClean="0"/>
+              <a:rPr lang="en-US"/>
               <a:t>Click to edit Master title style</a:t>
             </a:r>
-            <a:endParaRPr lang="en-US"/>
           </a:p>
         </p:txBody>
       </p:sp>
@@ -594,38 +603,37 @@
           <a:p>
             <a:pPr lvl="0"/>
             <a:r>
-              <a:rPr lang="en-US" smtClean="0"/>
+              <a:rPr lang="en-US"/>
               <a:t>Click to edit Master text styles</a:t>
             </a:r>
           </a:p>
           <a:p>
             <a:pPr lvl="1"/>
             <a:r>
-              <a:rPr lang="en-US" smtClean="0"/>
+              <a:rPr lang="en-US"/>
               <a:t>Second level</a:t>
             </a:r>
           </a:p>
           <a:p>
             <a:pPr lvl="2"/>
             <a:r>
-              <a:rPr lang="en-US" smtClean="0"/>
+              <a:rPr lang="en-US"/>
               <a:t>Third level</a:t>
             </a:r>
           </a:p>
           <a:p>
             <a:pPr lvl="3"/>
             <a:r>
-              <a:rPr lang="en-US" smtClean="0"/>
+              <a:rPr lang="en-US"/>
               <a:t>Fourth level</a:t>
             </a:r>
           </a:p>
           <a:p>
             <a:pPr lvl="4"/>
             <a:r>
-              <a:rPr lang="en-US" smtClean="0"/>
+              <a:rPr lang="en-US"/>
               <a:t>Fifth level</a:t>
             </a:r>
-            <a:endParaRPr lang="en-US"/>
           </a:p>
         </p:txBody>
       </p:sp>
@@ -646,7 +654,7 @@
           <a:p>
             <a:fld id="{CAAE836A-6F57-4E15-B788-C33EC3E995C1}" type="datetimeFigureOut">
               <a:rPr lang="en-US" smtClean="0"/>
-              <a:t>4/17/2021</a:t>
+              <a:t>4/18/2021</a:t>
             </a:fld>
             <a:endParaRPr lang="en-US"/>
           </a:p>
@@ -735,10 +743,9 @@
           <a:lstStyle/>
           <a:p>
             <a:r>
-              <a:rPr lang="en-US" smtClean="0"/>
+              <a:rPr lang="en-US"/>
               <a:t>Click to edit Master title style</a:t>
             </a:r>
-            <a:endParaRPr lang="en-US"/>
           </a:p>
         </p:txBody>
       </p:sp>
@@ -759,38 +766,37 @@
           <a:p>
             <a:pPr lvl="0"/>
             <a:r>
-              <a:rPr lang="en-US" smtClean="0"/>
+              <a:rPr lang="en-US"/>
               <a:t>Click to edit Master text styles</a:t>
             </a:r>
           </a:p>
           <a:p>
             <a:pPr lvl="1"/>
             <a:r>
-              <a:rPr lang="en-US" smtClean="0"/>
+              <a:rPr lang="en-US"/>
               <a:t>Second level</a:t>
             </a:r>
           </a:p>
           <a:p>
             <a:pPr lvl="2"/>
             <a:r>
-              <a:rPr lang="en-US" smtClean="0"/>
+              <a:rPr lang="en-US"/>
               <a:t>Third level</a:t>
             </a:r>
           </a:p>
           <a:p>
             <a:pPr lvl="3"/>
             <a:r>
-              <a:rPr lang="en-US" smtClean="0"/>
+              <a:rPr lang="en-US"/>
               <a:t>Fourth level</a:t>
             </a:r>
           </a:p>
           <a:p>
             <a:pPr lvl="4"/>
             <a:r>
-              <a:rPr lang="en-US" smtClean="0"/>
+              <a:rPr lang="en-US"/>
               <a:t>Fifth level</a:t>
             </a:r>
-            <a:endParaRPr lang="en-US"/>
           </a:p>
         </p:txBody>
       </p:sp>
@@ -811,7 +817,7 @@
           <a:p>
             <a:fld id="{CAAE836A-6F57-4E15-B788-C33EC3E995C1}" type="datetimeFigureOut">
               <a:rPr lang="en-US" smtClean="0"/>
-              <a:t>4/17/2021</a:t>
+              <a:t>4/18/2021</a:t>
             </a:fld>
             <a:endParaRPr lang="en-US"/>
           </a:p>
@@ -909,10 +915,9 @@
           </a:lstStyle>
           <a:p>
             <a:r>
-              <a:rPr lang="en-US" smtClean="0"/>
+              <a:rPr lang="en-US"/>
               <a:t>Click to edit Master title style</a:t>
             </a:r>
-            <a:endParaRPr lang="en-US"/>
           </a:p>
         </p:txBody>
       </p:sp>
@@ -1029,7 +1034,7 @@
           <a:p>
             <a:pPr lvl="0"/>
             <a:r>
-              <a:rPr lang="en-US" smtClean="0"/>
+              <a:rPr lang="en-US"/>
               <a:t>Click to edit Master text styles</a:t>
             </a:r>
           </a:p>
@@ -1052,7 +1057,7 @@
           <a:p>
             <a:fld id="{CAAE836A-6F57-4E15-B788-C33EC3E995C1}" type="datetimeFigureOut">
               <a:rPr lang="en-US" smtClean="0"/>
-              <a:t>4/17/2021</a:t>
+              <a:t>4/18/2021</a:t>
             </a:fld>
             <a:endParaRPr lang="en-US"/>
           </a:p>
@@ -1141,10 +1146,9 @@
           <a:lstStyle/>
           <a:p>
             <a:r>
-              <a:rPr lang="en-US" smtClean="0"/>
+              <a:rPr lang="en-US"/>
               <a:t>Click to edit Master title style</a:t>
             </a:r>
-            <a:endParaRPr lang="en-US"/>
           </a:p>
         </p:txBody>
       </p:sp>
@@ -1198,38 +1202,37 @@
           <a:p>
             <a:pPr lvl="0"/>
             <a:r>
-              <a:rPr lang="en-US" smtClean="0"/>
+              <a:rPr lang="en-US"/>
               <a:t>Click to edit Master text styles</a:t>
             </a:r>
           </a:p>
           <a:p>
             <a:pPr lvl="1"/>
             <a:r>
-              <a:rPr lang="en-US" smtClean="0"/>
+              <a:rPr lang="en-US"/>
               <a:t>Second level</a:t>
             </a:r>
           </a:p>
           <a:p>
             <a:pPr lvl="2"/>
             <a:r>
-              <a:rPr lang="en-US" smtClean="0"/>
+              <a:rPr lang="en-US"/>
               <a:t>Third level</a:t>
             </a:r>
           </a:p>
           <a:p>
             <a:pPr lvl="3"/>
             <a:r>
-              <a:rPr lang="en-US" smtClean="0"/>
+              <a:rPr lang="en-US"/>
               <a:t>Fourth level</a:t>
             </a:r>
           </a:p>
           <a:p>
             <a:pPr lvl="4"/>
             <a:r>
-              <a:rPr lang="en-US" smtClean="0"/>
+              <a:rPr lang="en-US"/>
               <a:t>Fifth level</a:t>
             </a:r>
-            <a:endParaRPr lang="en-US"/>
           </a:p>
         </p:txBody>
       </p:sp>
@@ -1283,38 +1286,37 @@
           <a:p>
             <a:pPr lvl="0"/>
             <a:r>
-              <a:rPr lang="en-US" smtClean="0"/>
+              <a:rPr lang="en-US"/>
               <a:t>Click to edit Master text styles</a:t>
             </a:r>
           </a:p>
           <a:p>
             <a:pPr lvl="1"/>
             <a:r>
-              <a:rPr lang="en-US" smtClean="0"/>
+              <a:rPr lang="en-US"/>
               <a:t>Second level</a:t>
             </a:r>
           </a:p>
           <a:p>
             <a:pPr lvl="2"/>
             <a:r>
-              <a:rPr lang="en-US" smtClean="0"/>
+              <a:rPr lang="en-US"/>
               <a:t>Third level</a:t>
             </a:r>
           </a:p>
           <a:p>
             <a:pPr lvl="3"/>
             <a:r>
-              <a:rPr lang="en-US" smtClean="0"/>
+              <a:rPr lang="en-US"/>
               <a:t>Fourth level</a:t>
             </a:r>
           </a:p>
           <a:p>
             <a:pPr lvl="4"/>
             <a:r>
-              <a:rPr lang="en-US" smtClean="0"/>
+              <a:rPr lang="en-US"/>
               <a:t>Fifth level</a:t>
             </a:r>
-            <a:endParaRPr lang="en-US"/>
           </a:p>
         </p:txBody>
       </p:sp>
@@ -1335,7 +1337,7 @@
           <a:p>
             <a:fld id="{CAAE836A-6F57-4E15-B788-C33EC3E995C1}" type="datetimeFigureOut">
               <a:rPr lang="en-US" smtClean="0"/>
-              <a:t>4/17/2021</a:t>
+              <a:t>4/18/2021</a:t>
             </a:fld>
             <a:endParaRPr lang="en-US"/>
           </a:p>
@@ -1428,10 +1430,9 @@
           </a:lstStyle>
           <a:p>
             <a:r>
-              <a:rPr lang="en-US" smtClean="0"/>
+              <a:rPr lang="en-US"/>
               <a:t>Click to edit Master title style</a:t>
             </a:r>
-            <a:endParaRPr lang="en-US"/>
           </a:p>
         </p:txBody>
       </p:sp>
@@ -1494,7 +1495,7 @@
           <a:p>
             <a:pPr lvl="0"/>
             <a:r>
-              <a:rPr lang="en-US" smtClean="0"/>
+              <a:rPr lang="en-US"/>
               <a:t>Click to edit Master text styles</a:t>
             </a:r>
           </a:p>
@@ -1550,38 +1551,37 @@
           <a:p>
             <a:pPr lvl="0"/>
             <a:r>
-              <a:rPr lang="en-US" smtClean="0"/>
+              <a:rPr lang="en-US"/>
               <a:t>Click to edit Master text styles</a:t>
             </a:r>
           </a:p>
           <a:p>
             <a:pPr lvl="1"/>
             <a:r>
-              <a:rPr lang="en-US" smtClean="0"/>
+              <a:rPr lang="en-US"/>
               <a:t>Second level</a:t>
             </a:r>
           </a:p>
           <a:p>
             <a:pPr lvl="2"/>
             <a:r>
-              <a:rPr lang="en-US" smtClean="0"/>
+              <a:rPr lang="en-US"/>
               <a:t>Third level</a:t>
             </a:r>
           </a:p>
           <a:p>
             <a:pPr lvl="3"/>
             <a:r>
-              <a:rPr lang="en-US" smtClean="0"/>
+              <a:rPr lang="en-US"/>
               <a:t>Fourth level</a:t>
             </a:r>
           </a:p>
           <a:p>
             <a:pPr lvl="4"/>
             <a:r>
-              <a:rPr lang="en-US" smtClean="0"/>
+              <a:rPr lang="en-US"/>
               <a:t>Fifth level</a:t>
             </a:r>
-            <a:endParaRPr lang="en-US"/>
           </a:p>
         </p:txBody>
       </p:sp>
@@ -1644,7 +1644,7 @@
           <a:p>
             <a:pPr lvl="0"/>
             <a:r>
-              <a:rPr lang="en-US" smtClean="0"/>
+              <a:rPr lang="en-US"/>
               <a:t>Click to edit Master text styles</a:t>
             </a:r>
           </a:p>
@@ -1700,38 +1700,37 @@
           <a:p>
             <a:pPr lvl="0"/>
             <a:r>
-              <a:rPr lang="en-US" smtClean="0"/>
+              <a:rPr lang="en-US"/>
               <a:t>Click to edit Master text styles</a:t>
             </a:r>
           </a:p>
           <a:p>
             <a:pPr lvl="1"/>
             <a:r>
-              <a:rPr lang="en-US" smtClean="0"/>
+              <a:rPr lang="en-US"/>
               <a:t>Second level</a:t>
             </a:r>
           </a:p>
           <a:p>
             <a:pPr lvl="2"/>
             <a:r>
-              <a:rPr lang="en-US" smtClean="0"/>
+              <a:rPr lang="en-US"/>
               <a:t>Third level</a:t>
             </a:r>
           </a:p>
           <a:p>
             <a:pPr lvl="3"/>
             <a:r>
-              <a:rPr lang="en-US" smtClean="0"/>
+              <a:rPr lang="en-US"/>
               <a:t>Fourth level</a:t>
             </a:r>
           </a:p>
           <a:p>
             <a:pPr lvl="4"/>
             <a:r>
-              <a:rPr lang="en-US" smtClean="0"/>
+              <a:rPr lang="en-US"/>
               <a:t>Fifth level</a:t>
             </a:r>
-            <a:endParaRPr lang="en-US"/>
           </a:p>
         </p:txBody>
       </p:sp>
@@ -1752,7 +1751,7 @@
           <a:p>
             <a:fld id="{CAAE836A-6F57-4E15-B788-C33EC3E995C1}" type="datetimeFigureOut">
               <a:rPr lang="en-US" smtClean="0"/>
-              <a:t>4/17/2021</a:t>
+              <a:t>4/18/2021</a:t>
             </a:fld>
             <a:endParaRPr lang="en-US"/>
           </a:p>
@@ -1841,10 +1840,9 @@
           <a:lstStyle/>
           <a:p>
             <a:r>
-              <a:rPr lang="en-US" smtClean="0"/>
+              <a:rPr lang="en-US"/>
               <a:t>Click to edit Master title style</a:t>
             </a:r>
-            <a:endParaRPr lang="en-US"/>
           </a:p>
         </p:txBody>
       </p:sp>
@@ -1865,7 +1863,7 @@
           <a:p>
             <a:fld id="{CAAE836A-6F57-4E15-B788-C33EC3E995C1}" type="datetimeFigureOut">
               <a:rPr lang="en-US" smtClean="0"/>
-              <a:t>4/17/2021</a:t>
+              <a:t>4/18/2021</a:t>
             </a:fld>
             <a:endParaRPr lang="en-US"/>
           </a:p>
@@ -1955,7 +1953,7 @@
           <a:p>
             <a:fld id="{CAAE836A-6F57-4E15-B788-C33EC3E995C1}" type="datetimeFigureOut">
               <a:rPr lang="en-US" smtClean="0"/>
-              <a:t>4/17/2021</a:t>
+              <a:t>4/18/2021</a:t>
             </a:fld>
             <a:endParaRPr lang="en-US"/>
           </a:p>
@@ -2053,10 +2051,9 @@
           </a:lstStyle>
           <a:p>
             <a:r>
-              <a:rPr lang="en-US" smtClean="0"/>
+              <a:rPr lang="en-US"/>
               <a:t>Click to edit Master title style</a:t>
             </a:r>
-            <a:endParaRPr lang="en-US"/>
           </a:p>
         </p:txBody>
       </p:sp>
@@ -2110,38 +2107,37 @@
           <a:p>
             <a:pPr lvl="0"/>
             <a:r>
-              <a:rPr lang="en-US" smtClean="0"/>
+              <a:rPr lang="en-US"/>
               <a:t>Click to edit Master text styles</a:t>
             </a:r>
           </a:p>
           <a:p>
             <a:pPr lvl="1"/>
             <a:r>
-              <a:rPr lang="en-US" smtClean="0"/>
+              <a:rPr lang="en-US"/>
               <a:t>Second level</a:t>
             </a:r>
           </a:p>
           <a:p>
             <a:pPr lvl="2"/>
             <a:r>
-              <a:rPr lang="en-US" smtClean="0"/>
+              <a:rPr lang="en-US"/>
               <a:t>Third level</a:t>
             </a:r>
           </a:p>
           <a:p>
             <a:pPr lvl="3"/>
             <a:r>
-              <a:rPr lang="en-US" smtClean="0"/>
+              <a:rPr lang="en-US"/>
               <a:t>Fourth level</a:t>
             </a:r>
           </a:p>
           <a:p>
             <a:pPr lvl="4"/>
             <a:r>
-              <a:rPr lang="en-US" smtClean="0"/>
+              <a:rPr lang="en-US"/>
               <a:t>Fifth level</a:t>
             </a:r>
-            <a:endParaRPr lang="en-US"/>
           </a:p>
         </p:txBody>
       </p:sp>
@@ -2204,7 +2200,7 @@
           <a:p>
             <a:pPr lvl="0"/>
             <a:r>
-              <a:rPr lang="en-US" smtClean="0"/>
+              <a:rPr lang="en-US"/>
               <a:t>Click to edit Master text styles</a:t>
             </a:r>
           </a:p>
@@ -2227,7 +2223,7 @@
           <a:p>
             <a:fld id="{CAAE836A-6F57-4E15-B788-C33EC3E995C1}" type="datetimeFigureOut">
               <a:rPr lang="en-US" smtClean="0"/>
-              <a:t>4/17/2021</a:t>
+              <a:t>4/18/2021</a:t>
             </a:fld>
             <a:endParaRPr lang="en-US"/>
           </a:p>
@@ -2325,10 +2321,9 @@
           </a:lstStyle>
           <a:p>
             <a:r>
-              <a:rPr lang="en-US" smtClean="0"/>
+              <a:rPr lang="en-US"/>
               <a:t>Click to edit Master title style</a:t>
             </a:r>
-            <a:endParaRPr lang="en-US"/>
           </a:p>
         </p:txBody>
       </p:sp>
@@ -2452,7 +2447,7 @@
           <a:p>
             <a:pPr lvl="0"/>
             <a:r>
-              <a:rPr lang="en-US" smtClean="0"/>
+              <a:rPr lang="en-US"/>
               <a:t>Click to edit Master text styles</a:t>
             </a:r>
           </a:p>
@@ -2475,7 +2470,7 @@
           <a:p>
             <a:fld id="{CAAE836A-6F57-4E15-B788-C33EC3E995C1}" type="datetimeFigureOut">
               <a:rPr lang="en-US" smtClean="0"/>
-              <a:t>4/17/2021</a:t>
+              <a:t>4/18/2021</a:t>
             </a:fld>
             <a:endParaRPr lang="en-US"/>
           </a:p>
@@ -2579,10 +2574,9 @@
           <a:lstStyle/>
           <a:p>
             <a:r>
-              <a:rPr lang="en-US" smtClean="0"/>
+              <a:rPr lang="en-US"/>
               <a:t>Click to edit Master title style</a:t>
             </a:r>
-            <a:endParaRPr lang="en-US"/>
           </a:p>
         </p:txBody>
       </p:sp>
@@ -2613,38 +2607,37 @@
           <a:p>
             <a:pPr lvl="0"/>
             <a:r>
-              <a:rPr lang="en-US" smtClean="0"/>
+              <a:rPr lang="en-US"/>
               <a:t>Click to edit Master text styles</a:t>
             </a:r>
           </a:p>
           <a:p>
             <a:pPr lvl="1"/>
             <a:r>
-              <a:rPr lang="en-US" smtClean="0"/>
+              <a:rPr lang="en-US"/>
               <a:t>Second level</a:t>
             </a:r>
           </a:p>
           <a:p>
             <a:pPr lvl="2"/>
             <a:r>
-              <a:rPr lang="en-US" smtClean="0"/>
+              <a:rPr lang="en-US"/>
               <a:t>Third level</a:t>
             </a:r>
           </a:p>
           <a:p>
             <a:pPr lvl="3"/>
             <a:r>
-              <a:rPr lang="en-US" smtClean="0"/>
+              <a:rPr lang="en-US"/>
               <a:t>Fourth level</a:t>
             </a:r>
           </a:p>
           <a:p>
             <a:pPr lvl="4"/>
             <a:r>
-              <a:rPr lang="en-US" smtClean="0"/>
+              <a:rPr lang="en-US"/>
               <a:t>Fifth level</a:t>
             </a:r>
-            <a:endParaRPr lang="en-US"/>
           </a:p>
         </p:txBody>
       </p:sp>
@@ -2683,7 +2676,7 @@
           <a:p>
             <a:fld id="{CAAE836A-6F57-4E15-B788-C33EC3E995C1}" type="datetimeFigureOut">
               <a:rPr lang="en-US" smtClean="0"/>
-              <a:t>4/17/2021</a:t>
+              <a:t>4/18/2021</a:t>
             </a:fld>
             <a:endParaRPr lang="en-US"/>
           </a:p>
@@ -3074,10 +3067,9 @@
           <a:lstStyle/>
           <a:p>
             <a:r>
-              <a:rPr lang="en-US" dirty="0" smtClean="0"/>
+              <a:rPr lang="en-US" dirty="0"/>
               <a:t>Presentation on </a:t>
             </a:r>
-            <a:endParaRPr lang="en-US" dirty="0"/>
           </a:p>
         </p:txBody>
       </p:sp>
@@ -3108,14 +3100,14 @@
               <a:buChar char="•"/>
             </a:pPr>
             <a:r>
-              <a:rPr lang="en-US" dirty="0" smtClean="0"/>
+              <a:rPr lang="en-US" dirty="0"/>
               <a:t>Schedules and </a:t>
             </a:r>
             <a:r>
-              <a:rPr lang="en-US" dirty="0" err="1" smtClean="0"/>
+              <a:rPr lang="en-US" dirty="0" err="1"/>
               <a:t>Serializability</a:t>
             </a:r>
-            <a:endParaRPr lang="en-US" dirty="0" smtClean="0"/>
+            <a:endParaRPr lang="en-US" dirty="0"/>
           </a:p>
           <a:p>
             <a:pPr algn="l">
@@ -3123,7 +3115,7 @@
               <a:buChar char="•"/>
             </a:pPr>
             <a:r>
-              <a:rPr lang="en-US" dirty="0" smtClean="0"/>
+              <a:rPr lang="en-US" dirty="0"/>
               <a:t>Concepts of locking for concurrency control</a:t>
             </a:r>
           </a:p>
@@ -3133,24 +3125,24 @@
           </a:p>
           <a:p>
             <a:pPr algn="l"/>
-            <a:endParaRPr lang="en-US" dirty="0" smtClean="0"/>
+            <a:endParaRPr lang="en-US" dirty="0"/>
           </a:p>
           <a:p>
             <a:pPr algn="r"/>
             <a:r>
-              <a:rPr lang="en-US" dirty="0" smtClean="0"/>
+              <a:rPr lang="en-US" dirty="0"/>
               <a:t>By: </a:t>
             </a:r>
             <a:r>
-              <a:rPr lang="en-US" dirty="0" err="1" smtClean="0"/>
+              <a:rPr lang="en-US" dirty="0" err="1"/>
               <a:t>Arjun</a:t>
             </a:r>
             <a:r>
-              <a:rPr lang="en-US" dirty="0" smtClean="0"/>
+              <a:rPr lang="en-US" dirty="0"/>
               <a:t> </a:t>
             </a:r>
             <a:r>
-              <a:rPr lang="en-US" dirty="0" err="1" smtClean="0"/>
+              <a:rPr lang="en-US" dirty="0" err="1"/>
               <a:t>Adhikari</a:t>
             </a:r>
             <a:endParaRPr lang="en-US" dirty="0"/>
@@ -3204,10 +3196,9 @@
           <a:p>
             <a:pPr algn="l"/>
             <a:r>
-              <a:rPr lang="en-US" dirty="0" smtClean="0"/>
+              <a:rPr lang="en-US" dirty="0"/>
               <a:t>Example of Concurrency Control Necessity</a:t>
             </a:r>
-            <a:endParaRPr lang="en-US" dirty="0"/>
           </a:p>
         </p:txBody>
       </p:sp>
@@ -3293,9 +3284,10 @@
           <a:bodyPr/>
           <a:lstStyle/>
           <a:p>
+            <a:pPr algn="l"/>
             <a:r>
               <a:rPr lang="en-US" b="1" dirty="0"/>
-              <a:t>Concurrency Control Protocols</a:t>
+              <a:t>Lock-based Protocols</a:t>
             </a:r>
           </a:p>
         </p:txBody>
@@ -3318,48 +3310,52 @@
         </p:spPr>
         <p:txBody>
           <a:bodyPr>
-            <a:normAutofit/>
+            <a:normAutofit fontScale="55000" lnSpcReduction="20000"/>
           </a:bodyPr>
           <a:lstStyle/>
+          <a:p>
+            <a:pPr algn="l"/>
+            <a:r>
+              <a:rPr lang="en-US" b="1" dirty="0"/>
+              <a:t>Lock Based Protocols</a:t>
+            </a:r>
+            <a:r>
+              <a:rPr lang="en-US" dirty="0"/>
+              <a:t> in DBMS is a mechanism in which a transaction cannot Read or Write the data until it acquires an appropriate lock. Lock based protocols help to eliminate the concurrency problem in DBMS for simultaneous transactions by locking or isolating a particular transaction to a single user.</a:t>
+            </a:r>
+          </a:p>
+          <a:p>
+            <a:pPr algn="l"/>
+            <a:endParaRPr lang="en-US" dirty="0"/>
+          </a:p>
+          <a:p>
+            <a:pPr algn="l"/>
+            <a:endParaRPr lang="en-US" dirty="0"/>
+          </a:p>
+          <a:p>
+            <a:pPr algn="l"/>
+            <a:r>
+              <a:rPr lang="en-US" dirty="0"/>
+              <a:t>A lock is a data variable which is associated with a data item. This lock signifies operations that can be performed on the data item. </a:t>
+            </a:r>
+          </a:p>
+          <a:p>
+            <a:pPr algn="l"/>
+            <a:endParaRPr lang="en-US" dirty="0"/>
+          </a:p>
+          <a:p>
+            <a:pPr algn="l"/>
+            <a:r>
+              <a:rPr lang="en-US" dirty="0"/>
+              <a:t>All lock requests are made to the concurrency-control manager. Transactions proceed only once the lock request is granted.</a:t>
+            </a:r>
+          </a:p>
           <a:p>
             <a:pPr algn="l">
               <a:buFont typeface="Arial" pitchFamily="34" charset="0"/>
               <a:buChar char="•"/>
             </a:pPr>
-            <a:r>
-              <a:rPr lang="en-US" dirty="0"/>
-              <a:t>Lock-Based Protocols</a:t>
-            </a:r>
-          </a:p>
-          <a:p>
-            <a:pPr algn="l">
-              <a:buFont typeface="Arial" pitchFamily="34" charset="0"/>
-              <a:buChar char="•"/>
-            </a:pPr>
-            <a:r>
-              <a:rPr lang="en-US" dirty="0"/>
-              <a:t>Two Phase Locking Protocol</a:t>
-            </a:r>
-          </a:p>
-          <a:p>
-            <a:pPr algn="l">
-              <a:buFont typeface="Arial" pitchFamily="34" charset="0"/>
-              <a:buChar char="•"/>
-            </a:pPr>
-            <a:r>
-              <a:rPr lang="en-US" dirty="0"/>
-              <a:t>Timestamp-Based Protocols</a:t>
-            </a:r>
-          </a:p>
-          <a:p>
-            <a:pPr algn="l">
-              <a:buFont typeface="Arial" pitchFamily="34" charset="0"/>
-              <a:buChar char="•"/>
-            </a:pPr>
-            <a:r>
-              <a:rPr lang="en-US" dirty="0"/>
-              <a:t>Validation-Based Protocols</a:t>
-            </a:r>
+            <a:endParaRPr lang="en-US" dirty="0"/>
           </a:p>
         </p:txBody>
       </p:sp>
@@ -3411,7 +3407,7 @@
             <a:pPr algn="l"/>
             <a:r>
               <a:rPr lang="en-US" b="1" dirty="0"/>
-              <a:t>Lock-based Protocols</a:t>
+              <a:t>Types of Locks</a:t>
             </a:r>
           </a:p>
         </p:txBody>
@@ -3434,57 +3430,69 @@
         </p:spPr>
         <p:txBody>
           <a:bodyPr>
-            <a:normAutofit fontScale="55000" lnSpcReduction="20000"/>
+            <a:normAutofit fontScale="92500" lnSpcReduction="20000"/>
           </a:bodyPr>
           <a:lstStyle/>
           <a:p>
             <a:pPr algn="l"/>
             <a:r>
               <a:rPr lang="en-US" b="1" dirty="0"/>
-              <a:t>Lock Based Protocols</a:t>
+              <a:t>Binary Locks: </a:t>
             </a:r>
             <a:r>
               <a:rPr lang="en-US" dirty="0"/>
-              <a:t> in DBMS is a mechanism in which a transaction cannot Read or Write the data until it acquires an appropriate lock. Lock based protocols help to eliminate the concurrency problem in DBMS for simultaneous transactions by locking or isolating a particular transaction to a single user</a:t>
-            </a:r>
-            <a:r>
-              <a:rPr lang="en-US" dirty="0" smtClean="0"/>
-              <a:t>.</a:t>
+              <a:t>A Binary lock on a data item can either locked or unlocked states.</a:t>
             </a:r>
           </a:p>
           <a:p>
             <a:pPr algn="l"/>
-            <a:endParaRPr lang="en-US" dirty="0" smtClean="0"/>
-          </a:p>
-          <a:p>
-            <a:pPr algn="l"/>
-            <a:endParaRPr lang="en-US" dirty="0" smtClean="0"/>
-          </a:p>
-          <a:p>
-            <a:pPr algn="l"/>
+            <a:r>
+              <a:rPr lang="en-US" b="1" dirty="0"/>
+              <a:t>Shared/exclusive Locks</a:t>
+            </a:r>
+          </a:p>
+          <a:p>
+            <a:pPr algn="l">
+              <a:buFont typeface="Arial" pitchFamily="34" charset="0"/>
+              <a:buChar char="•"/>
+            </a:pPr>
             <a:r>
               <a:rPr lang="en-US" dirty="0"/>
-              <a:t>A lock is a data variable which is associated with a data item. This lock signifies </a:t>
-            </a:r>
-            <a:r>
-              <a:rPr lang="en-US" dirty="0" smtClean="0"/>
-              <a:t>operations </a:t>
-            </a:r>
+              <a:t>Shared Lock(S)</a:t>
+            </a:r>
+          </a:p>
+          <a:p>
+            <a:pPr algn="l">
+              <a:buFont typeface="Arial" pitchFamily="34" charset="0"/>
+              <a:buChar char="•"/>
+            </a:pPr>
             <a:r>
               <a:rPr lang="en-US" dirty="0"/>
-              <a:t>that can be performed on the data item. </a:t>
-            </a:r>
-            <a:endParaRPr lang="en-US" dirty="0" smtClean="0"/>
-          </a:p>
-          <a:p>
-            <a:pPr algn="l"/>
-            <a:endParaRPr lang="en-US" dirty="0"/>
-          </a:p>
-          <a:p>
-            <a:pPr algn="l"/>
+              <a:t>Exclusive Lock (X)</a:t>
+            </a:r>
+          </a:p>
+          <a:p>
+            <a:pPr algn="l">
+              <a:buFont typeface="Arial" pitchFamily="34" charset="0"/>
+              <a:buChar char="•"/>
+            </a:pPr>
             <a:r>
               <a:rPr lang="en-US" dirty="0"/>
-              <a:t>All lock requests are made to the concurrency-control manager. Transactions proceed only once the lock request is granted.</a:t>
+              <a:t>Simplistic Lock</a:t>
+            </a:r>
+          </a:p>
+          <a:p>
+            <a:pPr algn="l">
+              <a:buFont typeface="Arial" pitchFamily="34" charset="0"/>
+              <a:buChar char="•"/>
+            </a:pPr>
+            <a:r>
+              <a:rPr lang="en-US" dirty="0" err="1"/>
+              <a:t>Preclaiming</a:t>
+            </a:r>
+            <a:r>
+              <a:rPr lang="en-US" dirty="0"/>
+              <a:t> Lock</a:t>
             </a:r>
           </a:p>
           <a:p>
@@ -3543,10 +3551,9 @@
           <a:p>
             <a:pPr algn="l"/>
             <a:r>
-              <a:rPr lang="en-US" b="1" dirty="0" smtClean="0"/>
-              <a:t>Types of Locks</a:t>
-            </a:r>
-            <a:endParaRPr lang="en-US" b="1" dirty="0"/>
+              <a:rPr lang="en-US" b="1" dirty="0"/>
+              <a:t>Shared Lock</a:t>
+            </a:r>
           </a:p>
         </p:txBody>
       </p:sp>
@@ -3568,77 +3575,26 @@
         </p:spPr>
         <p:txBody>
           <a:bodyPr>
-            <a:normAutofit fontScale="92500" lnSpcReduction="20000"/>
+            <a:normAutofit fontScale="70000" lnSpcReduction="20000"/>
           </a:bodyPr>
           <a:lstStyle/>
           <a:p>
             <a:pPr algn="l"/>
             <a:r>
-              <a:rPr lang="en-US" b="1" dirty="0"/>
-              <a:t>Binary Locks: </a:t>
-            </a:r>
-            <a:r>
               <a:rPr lang="en-US" dirty="0"/>
-              <a:t>A Binary lock on a data item can either locked or unlocked states.</a:t>
+              <a:t>A shared lock is also called a Read-only lock. With the shared lock, the data item can be shared between transactions. This is because you will never have permission to update data on the data item.</a:t>
             </a:r>
           </a:p>
           <a:p>
             <a:pPr algn="l"/>
-            <a:r>
-              <a:rPr lang="en-US" b="1" dirty="0" smtClean="0"/>
-              <a:t>Shared/exclusive Locks</a:t>
-            </a:r>
-          </a:p>
-          <a:p>
-            <a:pPr algn="l">
-              <a:buFont typeface="Arial" pitchFamily="34" charset="0"/>
-              <a:buChar char="•"/>
-            </a:pPr>
-            <a:r>
-              <a:rPr lang="en-US" dirty="0" smtClean="0"/>
-              <a:t>Shared Lock(S)</a:t>
-            </a:r>
-          </a:p>
-          <a:p>
-            <a:pPr algn="l">
-              <a:buFont typeface="Arial" pitchFamily="34" charset="0"/>
-              <a:buChar char="•"/>
-            </a:pPr>
-            <a:r>
-              <a:rPr lang="en-US" dirty="0" smtClean="0"/>
-              <a:t>Exclusive Lock (X)</a:t>
-            </a:r>
-          </a:p>
-          <a:p>
-            <a:pPr algn="l">
-              <a:buFont typeface="Arial" pitchFamily="34" charset="0"/>
-              <a:buChar char="•"/>
-            </a:pPr>
-            <a:r>
-              <a:rPr lang="en-US" dirty="0" smtClean="0"/>
-              <a:t>Simplistic Lock</a:t>
-            </a:r>
-          </a:p>
-          <a:p>
-            <a:pPr algn="l">
-              <a:buFont typeface="Arial" pitchFamily="34" charset="0"/>
-              <a:buChar char="•"/>
-            </a:pPr>
-            <a:r>
-              <a:rPr lang="en-US" dirty="0" err="1" smtClean="0"/>
-              <a:t>Preclaiming</a:t>
-            </a:r>
-            <a:r>
-              <a:rPr lang="en-US" dirty="0" smtClean="0"/>
-              <a:t> Lock</a:t>
-            </a:r>
-          </a:p>
-          <a:p>
-            <a:pPr algn="l">
-              <a:buFont typeface="Arial" pitchFamily="34" charset="0"/>
-              <a:buChar char="•"/>
-            </a:pPr>
             <a:endParaRPr lang="en-US" dirty="0"/>
+          </a:p>
+          <a:p>
+            <a:pPr algn="l"/>
+            <a:r>
+              <a:rPr lang="en-US" dirty="0"/>
+              <a:t>For example, consider a case where two transactions are reading the account balance of a person. The database will let them read by placing a shared lock. However, if another transaction wants to update that account's balance, shared lock prevent it until the reading process is over.</a:t>
+            </a:r>
           </a:p>
         </p:txBody>
       </p:sp>
@@ -3689,10 +3645,9 @@
           <a:p>
             <a:pPr algn="l"/>
             <a:r>
-              <a:rPr lang="en-US" b="1" dirty="0" smtClean="0"/>
-              <a:t>Shared Lock</a:t>
-            </a:r>
-            <a:endParaRPr lang="en-US" b="1" dirty="0"/>
+              <a:rPr lang="en-US" b="1" dirty="0"/>
+              <a:t>Exclusive Lock</a:t>
+            </a:r>
           </a:p>
         </p:txBody>
       </p:sp>
@@ -3720,27 +3675,15 @@
           <a:p>
             <a:pPr algn="l"/>
             <a:r>
-              <a:rPr lang="en-US" dirty="0" smtClean="0"/>
-              <a:t>A </a:t>
-            </a:r>
-            <a:r>
               <a:rPr lang="en-US" dirty="0"/>
-              <a:t>shared lock is also called a Read-only lock. With the shared lock, the data item can be shared between transactions. This is because you will never have permission to update data on the data item</a:t>
-            </a:r>
-            <a:r>
-              <a:rPr lang="en-US" dirty="0" smtClean="0"/>
-              <a:t>.</a:t>
+              <a:t>With the Exclusive Lock, a data item can be read as well as written. This is exclusive and can't be held concurrently on the same data item. X-lock is requested using lock-x instruction. Transactions may unlock the data item after finishing the 'write' operation.</a:t>
             </a:r>
           </a:p>
           <a:p>
             <a:pPr algn="l"/>
-            <a:endParaRPr lang="en-US" dirty="0"/>
-          </a:p>
-          <a:p>
-            <a:pPr algn="l"/>
             <a:r>
               <a:rPr lang="en-US" dirty="0"/>
-              <a:t>For example, consider a case where two transactions are reading the account balance of a person. The database will let them read by placing a shared lock. However, if another transaction wants to update that account's balance, shared lock prevent it until the reading process is over.</a:t>
+              <a:t>For example, when a transaction needs to update the account balance of a person. You can allow this transaction by placing X lock on it. Therefore, when the second transaction wants to read or write, exclusive lock prevent this operation.</a:t>
             </a:r>
           </a:p>
         </p:txBody>
@@ -3792,10 +3735,9 @@
           <a:p>
             <a:pPr algn="l"/>
             <a:r>
-              <a:rPr lang="en-US" b="1" dirty="0" smtClean="0"/>
-              <a:t>Exclusive Lock</a:t>
-            </a:r>
-            <a:endParaRPr lang="en-US" b="1" dirty="0"/>
+              <a:rPr lang="en-US" b="1" dirty="0"/>
+              <a:t>Simplistic Lock Protocol</a:t>
+            </a:r>
           </a:p>
         </p:txBody>
       </p:sp>
@@ -3817,21 +3759,14 @@
         </p:spPr>
         <p:txBody>
           <a:bodyPr>
-            <a:normAutofit fontScale="70000" lnSpcReduction="20000"/>
+            <a:normAutofit/>
           </a:bodyPr>
           <a:lstStyle/>
           <a:p>
             <a:pPr algn="l"/>
             <a:r>
               <a:rPr lang="en-US" dirty="0"/>
-              <a:t>With the Exclusive Lock, a data item can be read as well as written. This is exclusive and can't be held concurrently on the same data item. X-lock is requested using lock-x instruction. Transactions may unlock the data item after finishing the 'write' operation.</a:t>
-            </a:r>
-          </a:p>
-          <a:p>
-            <a:pPr algn="l"/>
-            <a:r>
-              <a:rPr lang="en-US" dirty="0"/>
-              <a:t>For example, when a transaction needs to update the account balance of a person. You can allows this transaction by placing X lock on it. Therefore, when the second transaction wants to read or write, exclusive lock prevent this operation.</a:t>
+              <a:t>This type of lock-based protocols allows transactions to obtain a lock on every object before beginning operation. Transactions may unlock the data item after finishing the 'write' operation.</a:t>
             </a:r>
           </a:p>
         </p:txBody>
@@ -3883,10 +3818,9 @@
           <a:p>
             <a:pPr algn="l"/>
             <a:r>
-              <a:rPr lang="en-US" b="1" dirty="0" smtClean="0"/>
-              <a:t>Simplistic Lock Protocol</a:t>
-            </a:r>
-            <a:endParaRPr lang="en-US" b="1" dirty="0"/>
+              <a:rPr lang="en-US" b="1" dirty="0"/>
+              <a:t>Pre-claiming Locking</a:t>
+            </a:r>
           </a:p>
         </p:txBody>
       </p:sp>
@@ -3908,15 +3842,22 @@
         </p:spPr>
         <p:txBody>
           <a:bodyPr>
-            <a:normAutofit/>
+            <a:normAutofit fontScale="85000" lnSpcReduction="10000"/>
           </a:bodyPr>
           <a:lstStyle/>
           <a:p>
             <a:pPr algn="l"/>
             <a:r>
               <a:rPr lang="en-US" dirty="0"/>
-              <a:t>This type of lock-based protocols allows transactions to obtain a lock on every object before beginning operation. Transactions may unlock the data item after finishing the 'write' operation.</a:t>
-            </a:r>
+              <a:t>Pre-claiming lock protocol helps to evaluate operations and create a list of required data items which are needed to initiate an execution process. In the situation when all locks are granted, the transaction executes. After that, all locks release when all of its operations are over.</a:t>
+            </a:r>
+          </a:p>
+          <a:p>
+            <a:pPr algn="l"/>
+            <a:br>
+              <a:rPr lang="en-US" dirty="0"/>
+            </a:br>
+            <a:endParaRPr lang="en-US" dirty="0"/>
           </a:p>
         </p:txBody>
       </p:sp>
@@ -3957,247 +3898,6 @@
         </p:nvSpPr>
         <p:spPr>
           <a:xfrm>
-            <a:off x="609600" y="457200"/>
-            <a:ext cx="7772400" cy="1470025"/>
-          </a:xfrm>
-        </p:spPr>
-        <p:txBody>
-          <a:bodyPr/>
-          <a:lstStyle/>
-          <a:p>
-            <a:pPr algn="l"/>
-            <a:r>
-              <a:rPr lang="en-US" b="1" dirty="0"/>
-              <a:t>Pre-claiming Locking</a:t>
-            </a:r>
-          </a:p>
-        </p:txBody>
-      </p:sp>
-      <p:sp>
-        <p:nvSpPr>
-          <p:cNvPr id="3" name="Subtitle 2"/>
-          <p:cNvSpPr>
-            <a:spLocks noGrp="1"/>
-          </p:cNvSpPr>
-          <p:nvPr>
-            <p:ph type="subTitle" idx="1"/>
-          </p:nvPr>
-        </p:nvSpPr>
-        <p:spPr>
-          <a:xfrm>
-            <a:off x="685800" y="1981200"/>
-            <a:ext cx="6400800" cy="3581400"/>
-          </a:xfrm>
-        </p:spPr>
-        <p:txBody>
-          <a:bodyPr>
-            <a:normAutofit fontScale="85000" lnSpcReduction="10000"/>
-          </a:bodyPr>
-          <a:lstStyle/>
-          <a:p>
-            <a:pPr algn="l"/>
-            <a:r>
-              <a:rPr lang="en-US" dirty="0"/>
-              <a:t>Pre-claiming lock protocol helps to evaluate operations and create a list of required data items which are needed to initiate an execution process. In the situation when all locks are granted, the transaction executes. After that, all locks release when all of its operations are over.</a:t>
-            </a:r>
-          </a:p>
-          <a:p>
-            <a:pPr algn="l"/>
-            <a:r>
-              <a:rPr lang="en-US" dirty="0" smtClean="0"/>
-              <a:t/>
-            </a:r>
-            <a:br>
-              <a:rPr lang="en-US" dirty="0" smtClean="0"/>
-            </a:br>
-            <a:endParaRPr lang="en-US" dirty="0"/>
-          </a:p>
-        </p:txBody>
-      </p:sp>
-    </p:spTree>
-  </p:cSld>
-  <p:clrMapOvr>
-    <a:masterClrMapping/>
-  </p:clrMapOvr>
-</p:sld>
-</file>
-
-<file path=ppt/slides/slide18.xml><?xml version="1.0" encoding="utf-8"?>
-<p:sld xmlns:a="http://schemas.openxmlformats.org/drawingml/2006/main" xmlns:r="http://schemas.openxmlformats.org/officeDocument/2006/relationships" xmlns:p="http://schemas.openxmlformats.org/presentationml/2006/main">
-  <p:cSld>
-    <p:spTree>
-      <p:nvGrpSpPr>
-        <p:cNvPr id="1" name=""/>
-        <p:cNvGrpSpPr/>
-        <p:nvPr/>
-      </p:nvGrpSpPr>
-      <p:grpSpPr>
-        <a:xfrm>
-          <a:off x="0" y="0"/>
-          <a:ext cx="0" cy="0"/>
-          <a:chOff x="0" y="0"/>
-          <a:chExt cx="0" cy="0"/>
-        </a:xfrm>
-      </p:grpSpPr>
-      <p:sp>
-        <p:nvSpPr>
-          <p:cNvPr id="2" name="Title 1"/>
-          <p:cNvSpPr>
-            <a:spLocks noGrp="1"/>
-          </p:cNvSpPr>
-          <p:nvPr>
-            <p:ph type="ctrTitle"/>
-          </p:nvPr>
-        </p:nvSpPr>
-        <p:spPr>
-          <a:xfrm>
-            <a:off x="609600" y="457200"/>
-            <a:ext cx="7772400" cy="1470025"/>
-          </a:xfrm>
-        </p:spPr>
-        <p:txBody>
-          <a:bodyPr/>
-          <a:lstStyle/>
-          <a:p>
-            <a:pPr algn="l"/>
-            <a:r>
-              <a:rPr lang="en-US" b="1" dirty="0" smtClean="0"/>
-              <a:t>Starvation and Deadlock</a:t>
-            </a:r>
-            <a:endParaRPr lang="en-US" b="1" dirty="0"/>
-          </a:p>
-        </p:txBody>
-      </p:sp>
-      <p:sp>
-        <p:nvSpPr>
-          <p:cNvPr id="3" name="Subtitle 2"/>
-          <p:cNvSpPr>
-            <a:spLocks noGrp="1"/>
-          </p:cNvSpPr>
-          <p:nvPr>
-            <p:ph type="subTitle" idx="1"/>
-          </p:nvPr>
-        </p:nvSpPr>
-        <p:spPr>
-          <a:xfrm>
-            <a:off x="685800" y="1981200"/>
-            <a:ext cx="6400800" cy="3581400"/>
-          </a:xfrm>
-        </p:spPr>
-        <p:txBody>
-          <a:bodyPr>
-            <a:normAutofit fontScale="55000" lnSpcReduction="20000"/>
-          </a:bodyPr>
-          <a:lstStyle/>
-          <a:p>
-            <a:pPr algn="l"/>
-            <a:r>
-              <a:rPr lang="en-US" b="1" dirty="0"/>
-              <a:t>Starvation</a:t>
-            </a:r>
-            <a:endParaRPr lang="en-US" dirty="0"/>
-          </a:p>
-          <a:p>
-            <a:pPr algn="l"/>
-            <a:r>
-              <a:rPr lang="en-US" dirty="0"/>
-              <a:t>Starvation is the situation when a transaction needs to wait for an indefinite period to acquire a lock.</a:t>
-            </a:r>
-          </a:p>
-          <a:p>
-            <a:pPr algn="l"/>
-            <a:r>
-              <a:rPr lang="en-US" dirty="0"/>
-              <a:t>Following are the reasons for Starvation:</a:t>
-            </a:r>
-          </a:p>
-          <a:p>
-            <a:pPr algn="l"/>
-            <a:r>
-              <a:rPr lang="en-US" dirty="0"/>
-              <a:t>When waiting scheme for locked items is not properly managed</a:t>
-            </a:r>
-          </a:p>
-          <a:p>
-            <a:pPr algn="l"/>
-            <a:r>
-              <a:rPr lang="en-US" dirty="0"/>
-              <a:t>In the case of resource leak</a:t>
-            </a:r>
-          </a:p>
-          <a:p>
-            <a:pPr algn="l"/>
-            <a:r>
-              <a:rPr lang="en-US" dirty="0"/>
-              <a:t>The same transaction is selected as a victim </a:t>
-            </a:r>
-            <a:r>
-              <a:rPr lang="en-US" dirty="0" smtClean="0"/>
-              <a:t>repeatedly.</a:t>
-            </a:r>
-          </a:p>
-          <a:p>
-            <a:pPr algn="l"/>
-            <a:endParaRPr lang="en-US" dirty="0"/>
-          </a:p>
-          <a:p>
-            <a:pPr algn="l"/>
-            <a:endParaRPr lang="en-US" dirty="0"/>
-          </a:p>
-          <a:p>
-            <a:pPr algn="l"/>
-            <a:r>
-              <a:rPr lang="en-US" b="1" dirty="0"/>
-              <a:t>Deadlock</a:t>
-            </a:r>
-            <a:endParaRPr lang="en-US" dirty="0"/>
-          </a:p>
-          <a:p>
-            <a:pPr algn="l"/>
-            <a:r>
-              <a:rPr lang="en-US" dirty="0"/>
-              <a:t>Deadlock refers to a specific situation where two or more processes are waiting for each other to release a resource or more than two processes are waiting for the resource in a circular chain.</a:t>
-            </a:r>
-          </a:p>
-        </p:txBody>
-      </p:sp>
-    </p:spTree>
-  </p:cSld>
-  <p:clrMapOvr>
-    <a:masterClrMapping/>
-  </p:clrMapOvr>
-</p:sld>
-</file>
-
-<file path=ppt/slides/slide19.xml><?xml version="1.0" encoding="utf-8"?>
-<p:sld xmlns:a="http://schemas.openxmlformats.org/drawingml/2006/main" xmlns:r="http://schemas.openxmlformats.org/officeDocument/2006/relationships" xmlns:p="http://schemas.openxmlformats.org/presentationml/2006/main">
-  <p:cSld>
-    <p:spTree>
-      <p:nvGrpSpPr>
-        <p:cNvPr id="1" name=""/>
-        <p:cNvGrpSpPr/>
-        <p:nvPr/>
-      </p:nvGrpSpPr>
-      <p:grpSpPr>
-        <a:xfrm>
-          <a:off x="0" y="0"/>
-          <a:ext cx="0" cy="0"/>
-          <a:chOff x="0" y="0"/>
-          <a:chExt cx="0" cy="0"/>
-        </a:xfrm>
-      </p:grpSpPr>
-      <p:sp>
-        <p:nvSpPr>
-          <p:cNvPr id="2" name="Title 1"/>
-          <p:cNvSpPr>
-            <a:spLocks noGrp="1"/>
-          </p:cNvSpPr>
-          <p:nvPr>
-            <p:ph type="ctrTitle"/>
-          </p:nvPr>
-        </p:nvSpPr>
-        <p:spPr>
-          <a:xfrm>
             <a:off x="762000" y="2667000"/>
             <a:ext cx="7772400" cy="1470025"/>
           </a:xfrm>
@@ -4207,10 +3907,9 @@
           <a:lstStyle/>
           <a:p>
             <a:r>
-              <a:rPr lang="en-US" b="1" dirty="0" smtClean="0"/>
+              <a:rPr lang="en-US" b="1" dirty="0"/>
               <a:t>The End</a:t>
             </a:r>
-            <a:endParaRPr lang="en-US" b="1" dirty="0"/>
           </a:p>
         </p:txBody>
       </p:sp>
@@ -4282,10 +3981,9 @@
           <a:lstStyle/>
           <a:p>
             <a:r>
-              <a:rPr lang="en-US" dirty="0" smtClean="0"/>
+              <a:rPr lang="en-US" dirty="0"/>
               <a:t>What are Transactions?</a:t>
             </a:r>
-            <a:endParaRPr lang="en-US" dirty="0"/>
           </a:p>
         </p:txBody>
       </p:sp>
@@ -4306,10 +4004,9 @@
           <a:p>
             <a:pPr algn="l"/>
             <a:r>
-              <a:rPr lang="en-US" dirty="0" smtClean="0"/>
+              <a:rPr lang="en-US" dirty="0"/>
               <a:t>Set of Instructions which all run or none run.</a:t>
             </a:r>
-            <a:endParaRPr lang="en-US" dirty="0"/>
           </a:p>
         </p:txBody>
       </p:sp>
@@ -4360,10 +4057,9 @@
           <a:p>
             <a:pPr algn="l"/>
             <a:r>
-              <a:rPr lang="en-US" dirty="0" smtClean="0"/>
+              <a:rPr lang="en-US" dirty="0"/>
               <a:t>Schedule</a:t>
             </a:r>
-            <a:endParaRPr lang="en-US" dirty="0"/>
           </a:p>
         </p:txBody>
       </p:sp>
@@ -4399,7 +4095,7 @@
               <a:t>Schedule</a:t>
             </a:r>
             <a:r>
-              <a:rPr lang="en-US" dirty="0" smtClean="0"/>
+              <a:rPr lang="en-US" dirty="0"/>
               <a:t>.</a:t>
             </a:r>
           </a:p>
@@ -4410,10 +4106,9 @@
           <a:p>
             <a:pPr algn="l"/>
             <a:r>
-              <a:rPr lang="en-US" dirty="0" smtClean="0"/>
+              <a:rPr lang="en-US" dirty="0"/>
               <a:t>Basically, the sequence in which transactions are performed is governed by schedule.</a:t>
             </a:r>
-            <a:endParaRPr lang="en-US" dirty="0"/>
           </a:p>
         </p:txBody>
       </p:sp>
@@ -4464,10 +4159,9 @@
           <a:p>
             <a:pPr algn="l"/>
             <a:r>
-              <a:rPr lang="en-US" dirty="0" smtClean="0"/>
+              <a:rPr lang="en-US" dirty="0"/>
               <a:t>Types of Schedule</a:t>
             </a:r>
-            <a:endParaRPr lang="en-US" dirty="0"/>
           </a:p>
         </p:txBody>
       </p:sp>
@@ -4578,10 +4272,9 @@
           <a:p>
             <a:pPr algn="l"/>
             <a:r>
-              <a:rPr lang="en-US" dirty="0" smtClean="0"/>
+              <a:rPr lang="en-US" dirty="0"/>
               <a:t>Types of Schedule</a:t>
             </a:r>
-            <a:endParaRPr lang="en-US" dirty="0"/>
           </a:p>
         </p:txBody>
       </p:sp>
@@ -4685,10 +4378,9 @@
           <a:p>
             <a:pPr algn="l"/>
             <a:r>
-              <a:rPr lang="en-US" dirty="0" smtClean="0"/>
+              <a:rPr lang="en-US" dirty="0"/>
               <a:t>Non Serial Schedules</a:t>
             </a:r>
-            <a:endParaRPr lang="en-US" dirty="0"/>
           </a:p>
         </p:txBody>
       </p:sp>
@@ -4716,7 +4408,7 @@
           <a:p>
             <a:pPr algn="l"/>
             <a:r>
-              <a:rPr lang="en-US" b="1" dirty="0" smtClean="0"/>
+              <a:rPr lang="en-US" b="1" dirty="0"/>
               <a:t>Non Serial Schedules are of 3 types:</a:t>
             </a:r>
           </a:p>
@@ -4726,7 +4418,7 @@
               <a:buChar char="•"/>
             </a:pPr>
             <a:r>
-              <a:rPr lang="en-US" b="1" dirty="0" smtClean="0"/>
+              <a:rPr lang="en-US" b="1" dirty="0"/>
               <a:t>Strict</a:t>
             </a:r>
           </a:p>
@@ -4736,11 +4428,11 @@
               <a:buChar char="•"/>
             </a:pPr>
             <a:r>
-              <a:rPr lang="en-US" b="1" dirty="0" err="1" smtClean="0"/>
+              <a:rPr lang="en-US" b="1" dirty="0" err="1"/>
               <a:t>Cascadeless</a:t>
             </a:r>
             <a:r>
-              <a:rPr lang="en-US" b="1" dirty="0" smtClean="0"/>
+              <a:rPr lang="en-US" b="1" dirty="0"/>
               <a:t> </a:t>
             </a:r>
           </a:p>
@@ -4750,23 +4442,19 @@
               <a:buChar char="•"/>
             </a:pPr>
             <a:r>
-              <a:rPr lang="en-US" b="1" dirty="0" smtClean="0"/>
+              <a:rPr lang="en-US" b="1" dirty="0"/>
               <a:t>Recoverable</a:t>
             </a:r>
           </a:p>
           <a:p>
             <a:pPr algn="l"/>
-            <a:endParaRPr lang="en-US" b="1" dirty="0" smtClean="0"/>
+            <a:endParaRPr lang="en-US" b="1" dirty="0"/>
           </a:p>
           <a:p>
             <a:pPr algn="l"/>
             <a:r>
-              <a:rPr lang="en-US" b="1" dirty="0" smtClean="0"/>
-              <a:t>Strict </a:t>
-            </a:r>
-            <a:r>
               <a:rPr lang="en-US" b="1" dirty="0"/>
-              <a:t>Schedule</a:t>
+              <a:t>Strict Schedule</a:t>
             </a:r>
           </a:p>
           <a:p>
@@ -4825,10 +4513,9 @@
           <a:p>
             <a:pPr algn="l"/>
             <a:r>
-              <a:rPr lang="en-US" dirty="0" smtClean="0"/>
+              <a:rPr lang="en-US" dirty="0"/>
               <a:t>Non Serial Schedules</a:t>
             </a:r>
-            <a:endParaRPr lang="en-US" dirty="0"/>
           </a:p>
         </p:txBody>
       </p:sp>
@@ -4876,13 +4563,8 @@
             </a:r>
             <a:r>
               <a:rPr lang="en-US" dirty="0"/>
-              <a:t> Schedule, if a transaction is going to perform read operation on a value, it has to wait until the transaction who is performing write on that value commits</a:t>
-            </a:r>
-            <a:r>
-              <a:rPr lang="en-US" dirty="0" smtClean="0"/>
-              <a:t>. A commit represents completion of a transaction.</a:t>
-            </a:r>
-            <a:endParaRPr lang="en-US" dirty="0"/>
+              <a:t> Schedule, if a transaction is going to perform read operation on a value, it has to wait until the transaction who is performing write on that value commits. A commit represents completion of a transaction.</a:t>
+            </a:r>
           </a:p>
         </p:txBody>
       </p:sp>
@@ -4933,10 +4615,9 @@
           <a:p>
             <a:pPr algn="l"/>
             <a:r>
-              <a:rPr lang="en-US" dirty="0" smtClean="0"/>
+              <a:rPr lang="en-US" dirty="0"/>
               <a:t>Non Serial Schedules</a:t>
             </a:r>
-            <a:endParaRPr lang="en-US" dirty="0"/>
           </a:p>
         </p:txBody>
       </p:sp>
@@ -5024,10 +4705,9 @@
           <a:p>
             <a:pPr algn="l"/>
             <a:r>
-              <a:rPr lang="en-US" dirty="0" smtClean="0"/>
+              <a:rPr lang="en-US" dirty="0"/>
               <a:t>Concurrency Control</a:t>
             </a:r>
-            <a:endParaRPr lang="en-US" dirty="0"/>
           </a:p>
         </p:txBody>
       </p:sp>
@@ -5055,12 +4735,8 @@
           <a:p>
             <a:pPr algn="l"/>
             <a:r>
-              <a:rPr lang="en-US" b="1" dirty="0" smtClean="0"/>
-              <a:t>Concurrency </a:t>
-            </a:r>
-            <a:r>
               <a:rPr lang="en-US" b="1" dirty="0"/>
-              <a:t>Control</a:t>
+              <a:t>Concurrency Control</a:t>
             </a:r>
             <a:r>
               <a:rPr lang="en-US" dirty="0"/>
